--- a/EN規格/図/P2P_O2C.pptx
+++ b/EN規格/図/P2P_O2C.pptx
@@ -104,6 +104,11 @@
       </a:defRPr>
     </a:lvl9pPr>
   </p:defaultTextStyle>
+  <p:extLst>
+    <p:ext uri="{EFAFB233-063F-42B5-8137-9DF3F51BA10A}">
+      <p15:sldGuideLst xmlns:p15="http://schemas.microsoft.com/office/powerpoint/2012/main"/>
+    </p:ext>
+  </p:extLst>
 </p:presentation>
 </file>
 
@@ -254,7 +259,7 @@
           <a:p>
             <a:fld id="{2F9FBAF0-748B-D542-90DC-DAC151707CBA}" type="datetimeFigureOut">
               <a:rPr kumimoji="1" lang="ja-JP" altLang="en-US" smtClean="0"/>
-              <a:t>2020/9/6</a:t>
+              <a:t>2020/9/8</a:t>
             </a:fld>
             <a:endParaRPr kumimoji="1" lang="ja-JP" altLang="en-US"/>
           </a:p>
@@ -484,7 +489,7 @@
           <a:p>
             <a:fld id="{2F9FBAF0-748B-D542-90DC-DAC151707CBA}" type="datetimeFigureOut">
               <a:rPr kumimoji="1" lang="ja-JP" altLang="en-US" smtClean="0"/>
-              <a:t>2020/9/6</a:t>
+              <a:t>2020/9/8</a:t>
             </a:fld>
             <a:endParaRPr kumimoji="1" lang="ja-JP" altLang="en-US"/>
           </a:p>
@@ -724,7 +729,7 @@
           <a:p>
             <a:fld id="{2F9FBAF0-748B-D542-90DC-DAC151707CBA}" type="datetimeFigureOut">
               <a:rPr kumimoji="1" lang="ja-JP" altLang="en-US" smtClean="0"/>
-              <a:t>2020/9/6</a:t>
+              <a:t>2020/9/8</a:t>
             </a:fld>
             <a:endParaRPr kumimoji="1" lang="ja-JP" altLang="en-US"/>
           </a:p>
@@ -954,7 +959,7 @@
           <a:p>
             <a:fld id="{2F9FBAF0-748B-D542-90DC-DAC151707CBA}" type="datetimeFigureOut">
               <a:rPr kumimoji="1" lang="ja-JP" altLang="en-US" smtClean="0"/>
-              <a:t>2020/9/6</a:t>
+              <a:t>2020/9/8</a:t>
             </a:fld>
             <a:endParaRPr kumimoji="1" lang="ja-JP" altLang="en-US"/>
           </a:p>
@@ -1229,7 +1234,7 @@
           <a:p>
             <a:fld id="{2F9FBAF0-748B-D542-90DC-DAC151707CBA}" type="datetimeFigureOut">
               <a:rPr kumimoji="1" lang="ja-JP" altLang="en-US" smtClean="0"/>
-              <a:t>2020/9/6</a:t>
+              <a:t>2020/9/8</a:t>
             </a:fld>
             <a:endParaRPr kumimoji="1" lang="ja-JP" altLang="en-US"/>
           </a:p>
@@ -1558,7 +1563,7 @@
           <a:p>
             <a:fld id="{2F9FBAF0-748B-D542-90DC-DAC151707CBA}" type="datetimeFigureOut">
               <a:rPr kumimoji="1" lang="ja-JP" altLang="en-US" smtClean="0"/>
-              <a:t>2020/9/6</a:t>
+              <a:t>2020/9/8</a:t>
             </a:fld>
             <a:endParaRPr kumimoji="1" lang="ja-JP" altLang="en-US"/>
           </a:p>
@@ -2034,7 +2039,7 @@
           <a:p>
             <a:fld id="{2F9FBAF0-748B-D542-90DC-DAC151707CBA}" type="datetimeFigureOut">
               <a:rPr kumimoji="1" lang="ja-JP" altLang="en-US" smtClean="0"/>
-              <a:t>2020/9/6</a:t>
+              <a:t>2020/9/8</a:t>
             </a:fld>
             <a:endParaRPr kumimoji="1" lang="ja-JP" altLang="en-US"/>
           </a:p>
@@ -2175,7 +2180,7 @@
           <a:p>
             <a:fld id="{2F9FBAF0-748B-D542-90DC-DAC151707CBA}" type="datetimeFigureOut">
               <a:rPr kumimoji="1" lang="ja-JP" altLang="en-US" smtClean="0"/>
-              <a:t>2020/9/6</a:t>
+              <a:t>2020/9/8</a:t>
             </a:fld>
             <a:endParaRPr kumimoji="1" lang="ja-JP" altLang="en-US"/>
           </a:p>
@@ -2288,7 +2293,7 @@
           <a:p>
             <a:fld id="{2F9FBAF0-748B-D542-90DC-DAC151707CBA}" type="datetimeFigureOut">
               <a:rPr kumimoji="1" lang="ja-JP" altLang="en-US" smtClean="0"/>
-              <a:t>2020/9/6</a:t>
+              <a:t>2020/9/8</a:t>
             </a:fld>
             <a:endParaRPr kumimoji="1" lang="ja-JP" altLang="en-US"/>
           </a:p>
@@ -2631,7 +2636,7 @@
           <a:p>
             <a:fld id="{2F9FBAF0-748B-D542-90DC-DAC151707CBA}" type="datetimeFigureOut">
               <a:rPr kumimoji="1" lang="ja-JP" altLang="en-US" smtClean="0"/>
-              <a:t>2020/9/6</a:t>
+              <a:t>2020/9/8</a:t>
             </a:fld>
             <a:endParaRPr kumimoji="1" lang="ja-JP" altLang="en-US"/>
           </a:p>
@@ -2919,7 +2924,7 @@
           <a:p>
             <a:fld id="{2F9FBAF0-748B-D542-90DC-DAC151707CBA}" type="datetimeFigureOut">
               <a:rPr kumimoji="1" lang="ja-JP" altLang="en-US" smtClean="0"/>
-              <a:t>2020/9/6</a:t>
+              <a:t>2020/9/8</a:t>
             </a:fld>
             <a:endParaRPr kumimoji="1" lang="ja-JP" altLang="en-US"/>
           </a:p>
@@ -3192,7 +3197,7 @@
           <a:p>
             <a:fld id="{2F9FBAF0-748B-D542-90DC-DAC151707CBA}" type="datetimeFigureOut">
               <a:rPr kumimoji="1" lang="ja-JP" altLang="en-US" smtClean="0"/>
-              <a:t>2020/9/6</a:t>
+              <a:t>2020/9/8</a:t>
             </a:fld>
             <a:endParaRPr kumimoji="1" lang="ja-JP" altLang="en-US"/>
           </a:p>
@@ -4485,7 +4490,7 @@
               </a:r>
               <a:r>
                 <a:rPr lang="ja-JP" altLang="en-US" sz="1200"/>
-                <a:t>注文から入金</a:t>
+                <a:t>受注から入金</a:t>
               </a:r>
               <a:r>
                 <a:rPr lang="en-US" altLang="ja-JP" sz="1200" dirty="0"/>
@@ -5462,7 +5467,7 @@
               </a:r>
               <a:r>
                 <a:rPr lang="ja-JP" altLang="en-US" sz="1200"/>
-                <a:t>調達から支払い</a:t>
+                <a:t>発注から支払い</a:t>
               </a:r>
               <a:r>
                 <a:rPr lang="en-US" altLang="ja-JP" sz="1200" dirty="0"/>
